--- a/chapters/ch08_numericalstudy/figures/muensterhof.pptx
+++ b/chapters/ch08_numericalstudy/figures/muensterhof.pptx
@@ -7,6 +7,7 @@
   <p:sldIdLst>
     <p:sldId id="256" r:id="rId2"/>
     <p:sldId id="257" r:id="rId3"/>
+    <p:sldId id="258" r:id="rId4"/>
   </p:sldIdLst>
   <p:sldSz cx="12192000" cy="6858000"/>
   <p:notesSz cx="6858000" cy="9144000"/>
@@ -105,6 +106,11 @@
       </a:defRPr>
     </a:lvl9pPr>
   </p:defaultTextStyle>
+  <p:extLst>
+    <p:ext uri="{EFAFB233-063F-42B5-8137-9DF3F51BA10A}">
+      <p15:sldGuideLst xmlns:p15="http://schemas.microsoft.com/office/powerpoint/2012/main"/>
+    </p:ext>
+  </p:extLst>
 </p:presentation>
 </file>
 
@@ -257,7 +263,7 @@
           <a:p>
             <a:fld id="{588C0D9C-A407-4A7A-A622-E63BFB1FEEAA}" type="datetimeFigureOut">
               <a:rPr lang="en-GB" smtClean="0"/>
-              <a:t>15/04/2019</a:t>
+              <a:t>09/05/2019</a:t>
             </a:fld>
             <a:endParaRPr lang="en-GB"/>
           </a:p>
@@ -457,7 +463,7 @@
           <a:p>
             <a:fld id="{588C0D9C-A407-4A7A-A622-E63BFB1FEEAA}" type="datetimeFigureOut">
               <a:rPr lang="en-GB" smtClean="0"/>
-              <a:t>15/04/2019</a:t>
+              <a:t>09/05/2019</a:t>
             </a:fld>
             <a:endParaRPr lang="en-GB"/>
           </a:p>
@@ -667,7 +673,7 @@
           <a:p>
             <a:fld id="{588C0D9C-A407-4A7A-A622-E63BFB1FEEAA}" type="datetimeFigureOut">
               <a:rPr lang="en-GB" smtClean="0"/>
-              <a:t>15/04/2019</a:t>
+              <a:t>09/05/2019</a:t>
             </a:fld>
             <a:endParaRPr lang="en-GB"/>
           </a:p>
@@ -867,7 +873,7 @@
           <a:p>
             <a:fld id="{588C0D9C-A407-4A7A-A622-E63BFB1FEEAA}" type="datetimeFigureOut">
               <a:rPr lang="en-GB" smtClean="0"/>
-              <a:t>15/04/2019</a:t>
+              <a:t>09/05/2019</a:t>
             </a:fld>
             <a:endParaRPr lang="en-GB"/>
           </a:p>
@@ -1143,7 +1149,7 @@
           <a:p>
             <a:fld id="{588C0D9C-A407-4A7A-A622-E63BFB1FEEAA}" type="datetimeFigureOut">
               <a:rPr lang="en-GB" smtClean="0"/>
-              <a:t>15/04/2019</a:t>
+              <a:t>09/05/2019</a:t>
             </a:fld>
             <a:endParaRPr lang="en-GB"/>
           </a:p>
@@ -1411,7 +1417,7 @@
           <a:p>
             <a:fld id="{588C0D9C-A407-4A7A-A622-E63BFB1FEEAA}" type="datetimeFigureOut">
               <a:rPr lang="en-GB" smtClean="0"/>
-              <a:t>15/04/2019</a:t>
+              <a:t>09/05/2019</a:t>
             </a:fld>
             <a:endParaRPr lang="en-GB"/>
           </a:p>
@@ -1826,7 +1832,7 @@
           <a:p>
             <a:fld id="{588C0D9C-A407-4A7A-A622-E63BFB1FEEAA}" type="datetimeFigureOut">
               <a:rPr lang="en-GB" smtClean="0"/>
-              <a:t>15/04/2019</a:t>
+              <a:t>09/05/2019</a:t>
             </a:fld>
             <a:endParaRPr lang="en-GB"/>
           </a:p>
@@ -1968,7 +1974,7 @@
           <a:p>
             <a:fld id="{588C0D9C-A407-4A7A-A622-E63BFB1FEEAA}" type="datetimeFigureOut">
               <a:rPr lang="en-GB" smtClean="0"/>
-              <a:t>15/04/2019</a:t>
+              <a:t>09/05/2019</a:t>
             </a:fld>
             <a:endParaRPr lang="en-GB"/>
           </a:p>
@@ -2081,7 +2087,7 @@
           <a:p>
             <a:fld id="{588C0D9C-A407-4A7A-A622-E63BFB1FEEAA}" type="datetimeFigureOut">
               <a:rPr lang="en-GB" smtClean="0"/>
-              <a:t>15/04/2019</a:t>
+              <a:t>09/05/2019</a:t>
             </a:fld>
             <a:endParaRPr lang="en-GB"/>
           </a:p>
@@ -2394,7 +2400,7 @@
           <a:p>
             <a:fld id="{588C0D9C-A407-4A7A-A622-E63BFB1FEEAA}" type="datetimeFigureOut">
               <a:rPr lang="en-GB" smtClean="0"/>
-              <a:t>15/04/2019</a:t>
+              <a:t>09/05/2019</a:t>
             </a:fld>
             <a:endParaRPr lang="en-GB"/>
           </a:p>
@@ -2683,7 +2689,7 @@
           <a:p>
             <a:fld id="{588C0D9C-A407-4A7A-A622-E63BFB1FEEAA}" type="datetimeFigureOut">
               <a:rPr lang="en-GB" smtClean="0"/>
-              <a:t>15/04/2019</a:t>
+              <a:t>09/05/2019</a:t>
             </a:fld>
             <a:endParaRPr lang="en-GB"/>
           </a:p>
@@ -2926,7 +2932,7 @@
           <a:p>
             <a:fld id="{588C0D9C-A407-4A7A-A622-E63BFB1FEEAA}" type="datetimeFigureOut">
               <a:rPr lang="en-GB" smtClean="0"/>
-              <a:t>15/04/2019</a:t>
+              <a:t>09/05/2019</a:t>
             </a:fld>
             <a:endParaRPr lang="en-GB"/>
           </a:p>
@@ -3437,7 +3443,7 @@
         </p:nvGrpSpPr>
         <p:grpSpPr>
           <a:xfrm>
-            <a:off x="920756" y="438412"/>
+            <a:off x="964597" y="983294"/>
             <a:ext cx="9845099" cy="4426056"/>
             <a:chOff x="920756" y="438412"/>
             <a:chExt cx="9845099" cy="4426056"/>
@@ -3644,6 +3650,363 @@
     <p:extLst>
       <p:ext uri="{BB962C8B-B14F-4D97-AF65-F5344CB8AC3E}">
         <p14:creationId xmlns:p14="http://schemas.microsoft.com/office/powerpoint/2010/main" val="614652372"/>
+      </p:ext>
+    </p:extLst>
+  </p:cSld>
+  <p:clrMapOvr>
+    <a:masterClrMapping/>
+  </p:clrMapOvr>
+</p:sld>
+</file>
+
+<file path=ppt/slides/slide3.xml><?xml version="1.0" encoding="utf-8"?>
+<p:sld xmlns:a="http://schemas.openxmlformats.org/drawingml/2006/main" xmlns:r="http://schemas.openxmlformats.org/officeDocument/2006/relationships" xmlns:p="http://schemas.openxmlformats.org/presentationml/2006/main">
+  <p:cSld>
+    <p:spTree>
+      <p:nvGrpSpPr>
+        <p:cNvPr id="1" name=""/>
+        <p:cNvGrpSpPr/>
+        <p:nvPr/>
+      </p:nvGrpSpPr>
+      <p:grpSpPr>
+        <a:xfrm>
+          <a:off x="0" y="0"/>
+          <a:ext cx="0" cy="0"/>
+          <a:chOff x="0" y="0"/>
+          <a:chExt cx="0" cy="0"/>
+        </a:xfrm>
+      </p:grpSpPr>
+      <p:grpSp>
+        <p:nvGrpSpPr>
+          <p:cNvPr id="14" name="Group 13">
+            <a:extLst>
+              <a:ext uri="{FF2B5EF4-FFF2-40B4-BE49-F238E27FC236}">
+                <a16:creationId xmlns:a16="http://schemas.microsoft.com/office/drawing/2014/main" id="{B2F501AC-8E67-49D1-846E-5A32073DDBAE}"/>
+              </a:ext>
+            </a:extLst>
+          </p:cNvPr>
+          <p:cNvGrpSpPr/>
+          <p:nvPr/>
+        </p:nvGrpSpPr>
+        <p:grpSpPr>
+          <a:xfrm>
+            <a:off x="205277" y="461183"/>
+            <a:ext cx="10492119" cy="6015602"/>
+            <a:chOff x="205277" y="461183"/>
+            <a:chExt cx="10492119" cy="6015602"/>
+          </a:xfrm>
+        </p:grpSpPr>
+        <p:pic>
+          <p:nvPicPr>
+            <p:cNvPr id="3" name="Picture 2">
+              <a:extLst>
+                <a:ext uri="{FF2B5EF4-FFF2-40B4-BE49-F238E27FC236}">
+                  <a16:creationId xmlns:a16="http://schemas.microsoft.com/office/drawing/2014/main" id="{022C778F-994A-4671-A1F7-5686FAB91C80}"/>
+                </a:ext>
+              </a:extLst>
+            </p:cNvPr>
+            <p:cNvPicPr>
+              <a:picLocks noChangeAspect="1"/>
+            </p:cNvPicPr>
+            <p:nvPr/>
+          </p:nvPicPr>
+          <p:blipFill>
+            <a:blip r:embed="rId2">
+              <a:extLst>
+                <a:ext uri="{28A0092B-C50C-407E-A947-70E740481C1C}">
+                  <a14:useLocalDpi xmlns:a14="http://schemas.microsoft.com/office/drawing/2010/main" val="0"/>
+                </a:ext>
+              </a:extLst>
+            </a:blip>
+            <a:stretch>
+              <a:fillRect/>
+            </a:stretch>
+          </p:blipFill>
+          <p:spPr>
+            <a:xfrm>
+              <a:off x="6975829" y="3019775"/>
+              <a:ext cx="3721566" cy="3448422"/>
+            </a:xfrm>
+            <a:prstGeom prst="rect">
+              <a:avLst/>
+            </a:prstGeom>
+          </p:spPr>
+        </p:pic>
+        <p:pic>
+          <p:nvPicPr>
+            <p:cNvPr id="5" name="Picture 4">
+              <a:extLst>
+                <a:ext uri="{FF2B5EF4-FFF2-40B4-BE49-F238E27FC236}">
+                  <a16:creationId xmlns:a16="http://schemas.microsoft.com/office/drawing/2014/main" id="{CFA988CC-6103-4F35-B1B0-0C199B5988D9}"/>
+                </a:ext>
+              </a:extLst>
+            </p:cNvPr>
+            <p:cNvPicPr>
+              <a:picLocks noChangeAspect="1"/>
+            </p:cNvPicPr>
+            <p:nvPr/>
+          </p:nvPicPr>
+          <p:blipFill>
+            <a:blip r:embed="rId3">
+              <a:extLst>
+                <a:ext uri="{28A0092B-C50C-407E-A947-70E740481C1C}">
+                  <a14:useLocalDpi xmlns:a14="http://schemas.microsoft.com/office/drawing/2010/main" val="0"/>
+                </a:ext>
+              </a:extLst>
+            </a:blip>
+            <a:stretch>
+              <a:fillRect/>
+            </a:stretch>
+          </p:blipFill>
+          <p:spPr>
+            <a:xfrm>
+              <a:off x="6975829" y="465110"/>
+              <a:ext cx="3721566" cy="2485712"/>
+            </a:xfrm>
+            <a:prstGeom prst="rect">
+              <a:avLst/>
+            </a:prstGeom>
+          </p:spPr>
+        </p:pic>
+        <p:sp>
+          <p:nvSpPr>
+            <p:cNvPr id="6" name="Rectangle 5">
+              <a:extLst>
+                <a:ext uri="{FF2B5EF4-FFF2-40B4-BE49-F238E27FC236}">
+                  <a16:creationId xmlns:a16="http://schemas.microsoft.com/office/drawing/2014/main" id="{D74EC3E3-FD70-4793-963D-74DBF03C4B91}"/>
+                </a:ext>
+              </a:extLst>
+            </p:cNvPr>
+            <p:cNvSpPr/>
+            <p:nvPr/>
+          </p:nvSpPr>
+          <p:spPr>
+            <a:xfrm>
+              <a:off x="9735672" y="465109"/>
+              <a:ext cx="961724" cy="680240"/>
+            </a:xfrm>
+            <a:prstGeom prst="rect">
+              <a:avLst/>
+            </a:prstGeom>
+            <a:solidFill>
+              <a:srgbClr val="F8F8F8">
+                <a:alpha val="45882"/>
+              </a:srgbClr>
+            </a:solidFill>
+            <a:ln>
+              <a:noFill/>
+            </a:ln>
+          </p:spPr>
+          <p:style>
+            <a:lnRef idx="2">
+              <a:schemeClr val="accent1">
+                <a:shade val="50000"/>
+              </a:schemeClr>
+            </a:lnRef>
+            <a:fillRef idx="1">
+              <a:schemeClr val="accent1"/>
+            </a:fillRef>
+            <a:effectRef idx="0">
+              <a:schemeClr val="accent1"/>
+            </a:effectRef>
+            <a:fontRef idx="minor">
+              <a:schemeClr val="lt1"/>
+            </a:fontRef>
+          </p:style>
+          <p:txBody>
+            <a:bodyPr rtlCol="0" anchor="ctr"/>
+            <a:lstStyle/>
+            <a:p>
+              <a:pPr algn="ctr"/>
+              <a:r>
+                <a:rPr lang="en-US" sz="4800" b="1" dirty="0">
+                  <a:solidFill>
+                    <a:schemeClr val="tx1"/>
+                  </a:solidFill>
+                </a:rPr>
+                <a:t>(b)</a:t>
+              </a:r>
+              <a:endParaRPr lang="en-GB" sz="4800" b="1" dirty="0">
+                <a:solidFill>
+                  <a:schemeClr val="tx1"/>
+                </a:solidFill>
+              </a:endParaRPr>
+            </a:p>
+          </p:txBody>
+        </p:sp>
+        <p:pic>
+          <p:nvPicPr>
+            <p:cNvPr id="10" name="Picture 9">
+              <a:extLst>
+                <a:ext uri="{FF2B5EF4-FFF2-40B4-BE49-F238E27FC236}">
+                  <a16:creationId xmlns:a16="http://schemas.microsoft.com/office/drawing/2014/main" id="{5B356EBD-F545-4D0A-8E2D-02307079971E}"/>
+                </a:ext>
+              </a:extLst>
+            </p:cNvPr>
+            <p:cNvPicPr>
+              <a:picLocks noChangeAspect="1"/>
+            </p:cNvPicPr>
+            <p:nvPr/>
+          </p:nvPicPr>
+          <p:blipFill>
+            <a:blip r:embed="rId4">
+              <a:extLst>
+                <a:ext uri="{28A0092B-C50C-407E-A947-70E740481C1C}">
+                  <a14:useLocalDpi xmlns:a14="http://schemas.microsoft.com/office/drawing/2010/main" val="0"/>
+                </a:ext>
+              </a:extLst>
+            </a:blip>
+            <a:stretch>
+              <a:fillRect/>
+            </a:stretch>
+          </p:blipFill>
+          <p:spPr>
+            <a:xfrm>
+              <a:off x="205278" y="465110"/>
+              <a:ext cx="6685309" cy="6011675"/>
+            </a:xfrm>
+            <a:prstGeom prst="rect">
+              <a:avLst/>
+            </a:prstGeom>
+          </p:spPr>
+        </p:pic>
+        <p:sp>
+          <p:nvSpPr>
+            <p:cNvPr id="12" name="Rectangle 11">
+              <a:extLst>
+                <a:ext uri="{FF2B5EF4-FFF2-40B4-BE49-F238E27FC236}">
+                  <a16:creationId xmlns:a16="http://schemas.microsoft.com/office/drawing/2014/main" id="{3D628C22-4D3D-4A7E-AFF1-1EA1E31087CA}"/>
+                </a:ext>
+              </a:extLst>
+            </p:cNvPr>
+            <p:cNvSpPr/>
+            <p:nvPr/>
+          </p:nvSpPr>
+          <p:spPr>
+            <a:xfrm>
+              <a:off x="9735671" y="3052664"/>
+              <a:ext cx="961724" cy="680240"/>
+            </a:xfrm>
+            <a:prstGeom prst="rect">
+              <a:avLst/>
+            </a:prstGeom>
+            <a:solidFill>
+              <a:srgbClr val="F8F8F8">
+                <a:alpha val="45882"/>
+              </a:srgbClr>
+            </a:solidFill>
+            <a:ln>
+              <a:noFill/>
+            </a:ln>
+          </p:spPr>
+          <p:style>
+            <a:lnRef idx="2">
+              <a:schemeClr val="accent1">
+                <a:shade val="50000"/>
+              </a:schemeClr>
+            </a:lnRef>
+            <a:fillRef idx="1">
+              <a:schemeClr val="accent1"/>
+            </a:fillRef>
+            <a:effectRef idx="0">
+              <a:schemeClr val="accent1"/>
+            </a:effectRef>
+            <a:fontRef idx="minor">
+              <a:schemeClr val="lt1"/>
+            </a:fontRef>
+          </p:style>
+          <p:txBody>
+            <a:bodyPr rtlCol="0" anchor="ctr"/>
+            <a:lstStyle/>
+            <a:p>
+              <a:pPr algn="ctr"/>
+              <a:r>
+                <a:rPr lang="en-US" sz="4800" b="1" dirty="0">
+                  <a:solidFill>
+                    <a:schemeClr val="tx1"/>
+                  </a:solidFill>
+                </a:rPr>
+                <a:t>(c)</a:t>
+              </a:r>
+              <a:endParaRPr lang="en-GB" sz="4800" b="1" dirty="0">
+                <a:solidFill>
+                  <a:schemeClr val="tx1"/>
+                </a:solidFill>
+              </a:endParaRPr>
+            </a:p>
+          </p:txBody>
+        </p:sp>
+        <p:sp>
+          <p:nvSpPr>
+            <p:cNvPr id="13" name="Rectangle 12">
+              <a:extLst>
+                <a:ext uri="{FF2B5EF4-FFF2-40B4-BE49-F238E27FC236}">
+                  <a16:creationId xmlns:a16="http://schemas.microsoft.com/office/drawing/2014/main" id="{B40ADDC9-C2BA-4010-AAD4-68164CF8EC4A}"/>
+                </a:ext>
+              </a:extLst>
+            </p:cNvPr>
+            <p:cNvSpPr/>
+            <p:nvPr/>
+          </p:nvSpPr>
+          <p:spPr>
+            <a:xfrm>
+              <a:off x="205277" y="461183"/>
+              <a:ext cx="961724" cy="680240"/>
+            </a:xfrm>
+            <a:prstGeom prst="rect">
+              <a:avLst/>
+            </a:prstGeom>
+            <a:solidFill>
+              <a:srgbClr val="000000">
+                <a:alpha val="41176"/>
+              </a:srgbClr>
+            </a:solidFill>
+            <a:ln>
+              <a:noFill/>
+            </a:ln>
+          </p:spPr>
+          <p:style>
+            <a:lnRef idx="2">
+              <a:schemeClr val="accent1">
+                <a:shade val="50000"/>
+              </a:schemeClr>
+            </a:lnRef>
+            <a:fillRef idx="1">
+              <a:schemeClr val="accent1"/>
+            </a:fillRef>
+            <a:effectRef idx="0">
+              <a:schemeClr val="accent1"/>
+            </a:effectRef>
+            <a:fontRef idx="minor">
+              <a:schemeClr val="lt1"/>
+            </a:fontRef>
+          </p:style>
+          <p:txBody>
+            <a:bodyPr rtlCol="0" anchor="ctr"/>
+            <a:lstStyle/>
+            <a:p>
+              <a:pPr algn="ctr"/>
+              <a:r>
+                <a:rPr lang="en-US" sz="4800" b="1" dirty="0">
+                  <a:solidFill>
+                    <a:schemeClr val="bg1"/>
+                  </a:solidFill>
+                </a:rPr>
+                <a:t>(a)</a:t>
+              </a:r>
+              <a:endParaRPr lang="en-GB" sz="4800" b="1" dirty="0">
+                <a:solidFill>
+                  <a:schemeClr val="bg1"/>
+                </a:solidFill>
+              </a:endParaRPr>
+            </a:p>
+          </p:txBody>
+        </p:sp>
+      </p:grpSp>
+    </p:spTree>
+    <p:extLst>
+      <p:ext uri="{BB962C8B-B14F-4D97-AF65-F5344CB8AC3E}">
+        <p14:creationId xmlns:p14="http://schemas.microsoft.com/office/powerpoint/2010/main" val="2200712214"/>
       </p:ext>
     </p:extLst>
   </p:cSld>
